--- a/Liderazgo y desarrollo profesional/Proyecto de vida.pptx
+++ b/Liderazgo y desarrollo profesional/Proyecto de vida.pptx
@@ -104,6 +104,11 @@
       </a:defRPr>
     </a:lvl9pPr>
   </p:defaultTextStyle>
+  <p:extLst>
+    <p:ext uri="{EFAFB233-063F-42B5-8137-9DF3F51BA10A}">
+      <p15:sldGuideLst xmlns:p15="http://schemas.microsoft.com/office/powerpoint/2012/main"/>
+    </p:ext>
+  </p:extLst>
 </p:presentation>
 </file>
 
@@ -4279,7 +4284,7 @@
           <a:p>
             <a:fld id="{5A1BADBA-B284-4B09-9AC3-850D40D049D9}" type="datetimeFigureOut">
               <a:rPr lang="es-MX" smtClean="0"/>
-              <a:t>31/03/2019</a:t>
+              <a:t>07/04/2019</a:t>
             </a:fld>
             <a:endParaRPr lang="es-MX"/>
           </a:p>
@@ -4479,7 +4484,7 @@
           <a:p>
             <a:fld id="{5A1BADBA-B284-4B09-9AC3-850D40D049D9}" type="datetimeFigureOut">
               <a:rPr lang="es-MX" smtClean="0"/>
-              <a:t>31/03/2019</a:t>
+              <a:t>07/04/2019</a:t>
             </a:fld>
             <a:endParaRPr lang="es-MX"/>
           </a:p>
@@ -4689,7 +4694,7 @@
           <a:p>
             <a:fld id="{5A1BADBA-B284-4B09-9AC3-850D40D049D9}" type="datetimeFigureOut">
               <a:rPr lang="es-MX" smtClean="0"/>
-              <a:t>31/03/2019</a:t>
+              <a:t>07/04/2019</a:t>
             </a:fld>
             <a:endParaRPr lang="es-MX"/>
           </a:p>
@@ -4889,7 +4894,7 @@
           <a:p>
             <a:fld id="{5A1BADBA-B284-4B09-9AC3-850D40D049D9}" type="datetimeFigureOut">
               <a:rPr lang="es-MX" smtClean="0"/>
-              <a:t>31/03/2019</a:t>
+              <a:t>07/04/2019</a:t>
             </a:fld>
             <a:endParaRPr lang="es-MX"/>
           </a:p>
@@ -5165,7 +5170,7 @@
           <a:p>
             <a:fld id="{5A1BADBA-B284-4B09-9AC3-850D40D049D9}" type="datetimeFigureOut">
               <a:rPr lang="es-MX" smtClean="0"/>
-              <a:t>31/03/2019</a:t>
+              <a:t>07/04/2019</a:t>
             </a:fld>
             <a:endParaRPr lang="es-MX"/>
           </a:p>
@@ -5433,7 +5438,7 @@
           <a:p>
             <a:fld id="{5A1BADBA-B284-4B09-9AC3-850D40D049D9}" type="datetimeFigureOut">
               <a:rPr lang="es-MX" smtClean="0"/>
-              <a:t>31/03/2019</a:t>
+              <a:t>07/04/2019</a:t>
             </a:fld>
             <a:endParaRPr lang="es-MX"/>
           </a:p>
@@ -5848,7 +5853,7 @@
           <a:p>
             <a:fld id="{5A1BADBA-B284-4B09-9AC3-850D40D049D9}" type="datetimeFigureOut">
               <a:rPr lang="es-MX" smtClean="0"/>
-              <a:t>31/03/2019</a:t>
+              <a:t>07/04/2019</a:t>
             </a:fld>
             <a:endParaRPr lang="es-MX"/>
           </a:p>
@@ -5990,7 +5995,7 @@
           <a:p>
             <a:fld id="{5A1BADBA-B284-4B09-9AC3-850D40D049D9}" type="datetimeFigureOut">
               <a:rPr lang="es-MX" smtClean="0"/>
-              <a:t>31/03/2019</a:t>
+              <a:t>07/04/2019</a:t>
             </a:fld>
             <a:endParaRPr lang="es-MX"/>
           </a:p>
@@ -6103,7 +6108,7 @@
           <a:p>
             <a:fld id="{5A1BADBA-B284-4B09-9AC3-850D40D049D9}" type="datetimeFigureOut">
               <a:rPr lang="es-MX" smtClean="0"/>
-              <a:t>31/03/2019</a:t>
+              <a:t>07/04/2019</a:t>
             </a:fld>
             <a:endParaRPr lang="es-MX"/>
           </a:p>
@@ -6416,7 +6421,7 @@
           <a:p>
             <a:fld id="{5A1BADBA-B284-4B09-9AC3-850D40D049D9}" type="datetimeFigureOut">
               <a:rPr lang="es-MX" smtClean="0"/>
-              <a:t>31/03/2019</a:t>
+              <a:t>07/04/2019</a:t>
             </a:fld>
             <a:endParaRPr lang="es-MX"/>
           </a:p>
@@ -6705,7 +6710,7 @@
           <a:p>
             <a:fld id="{5A1BADBA-B284-4B09-9AC3-850D40D049D9}" type="datetimeFigureOut">
               <a:rPr lang="es-MX" smtClean="0"/>
-              <a:t>31/03/2019</a:t>
+              <a:t>07/04/2019</a:t>
             </a:fld>
             <a:endParaRPr lang="es-MX"/>
           </a:p>
@@ -6948,7 +6953,7 @@
           <a:p>
             <a:fld id="{5A1BADBA-B284-4B09-9AC3-850D40D049D9}" type="datetimeFigureOut">
               <a:rPr lang="es-MX" smtClean="0"/>
-              <a:t>31/03/2019</a:t>
+              <a:t>07/04/2019</a:t>
             </a:fld>
             <a:endParaRPr lang="es-MX"/>
           </a:p>
